--- a/doc/connectionLoop.pptx
+++ b/doc/connectionLoop.pptx
@@ -3486,7 +3486,6 @@
               <a:rPr lang="sv-SE" sz="1100" dirty="0" smtClean="0"/>
               <a:t>DoInBackground</a:t>
             </a:r>
-            <a:endParaRPr lang="sv-SE" sz="1100" dirty="0" smtClean="0"/>
           </a:p>
           <a:p>
             <a:pPr algn="ctr"/>
@@ -3544,7 +3543,6 @@
               <a:rPr lang="sv-SE" sz="1100" dirty="0" smtClean="0"/>
               <a:t>DoInBackground</a:t>
             </a:r>
-            <a:endParaRPr lang="sv-SE" sz="1100" dirty="0" smtClean="0"/>
           </a:p>
           <a:p>
             <a:pPr algn="ctr"/>
@@ -4776,6 +4774,100 @@
           </a:p>
         </p:txBody>
       </p:sp>
+      <p:sp>
+        <p:nvSpPr>
+          <p:cNvPr id="42" name="Flowchart: Process 41"/>
+          <p:cNvSpPr/>
+          <p:nvPr/>
+        </p:nvSpPr>
+        <p:spPr>
+          <a:xfrm>
+            <a:off x="1908305" y="3501008"/>
+            <a:ext cx="1296144" cy="576064"/>
+          </a:xfrm>
+          <a:prstGeom prst="flowChartProcess">
+            <a:avLst/>
+          </a:prstGeom>
+          <a:ln w="12700"/>
+        </p:spPr>
+        <p:style>
+          <a:lnRef idx="2">
+            <a:schemeClr val="dk1"/>
+          </a:lnRef>
+          <a:fillRef idx="1">
+            <a:schemeClr val="lt1"/>
+          </a:fillRef>
+          <a:effectRef idx="0">
+            <a:schemeClr val="dk1"/>
+          </a:effectRef>
+          <a:fontRef idx="minor">
+            <a:schemeClr val="dk1"/>
+          </a:fontRef>
+        </p:style>
+        <p:txBody>
+          <a:bodyPr lIns="0" tIns="0" rIns="0" bIns="0" rtlCol="0" anchor="ctr"/>
+          <a:lstStyle/>
+          <a:p>
+            <a:pPr algn="ctr"/>
+            <a:r>
+              <a:rPr lang="sv-SE" sz="1100" dirty="0" smtClean="0"/>
+              <a:t>MainActivity</a:t>
+            </a:r>
+          </a:p>
+          <a:p>
+            <a:pPr algn="ctr"/>
+            <a:r>
+              <a:rPr lang="sv-SE" sz="1100" dirty="0" smtClean="0"/>
+              <a:t>GUI thread</a:t>
+            </a:r>
+            <a:endParaRPr lang="sv-SE" sz="1100" dirty="0" smtClean="0"/>
+          </a:p>
+          <a:p>
+            <a:pPr algn="ctr"/>
+            <a:r>
+              <a:rPr lang="sv-SE" sz="1100" dirty="0" smtClean="0"/>
+              <a:t>Idle</a:t>
+            </a:r>
+            <a:endParaRPr lang="sv-SE" sz="1100" dirty="0"/>
+          </a:p>
+        </p:txBody>
+      </p:sp>
+      <p:cxnSp>
+        <p:nvCxnSpPr>
+          <p:cNvPr id="3" name="Straight Arrow Connector 2"/>
+          <p:cNvCxnSpPr>
+            <a:stCxn id="8" idx="2"/>
+            <a:endCxn id="42" idx="0"/>
+          </p:cNvCxnSpPr>
+          <p:nvPr/>
+        </p:nvCxnSpPr>
+        <p:spPr>
+          <a:xfrm>
+            <a:off x="2555776" y="3194974"/>
+            <a:ext cx="601" cy="306034"/>
+          </a:xfrm>
+          <a:prstGeom prst="straightConnector1">
+            <a:avLst/>
+          </a:prstGeom>
+          <a:ln>
+            <a:tailEnd type="arrow"/>
+          </a:ln>
+        </p:spPr>
+        <p:style>
+          <a:lnRef idx="1">
+            <a:schemeClr val="accent1"/>
+          </a:lnRef>
+          <a:fillRef idx="0">
+            <a:schemeClr val="accent1"/>
+          </a:fillRef>
+          <a:effectRef idx="0">
+            <a:schemeClr val="accent1"/>
+          </a:effectRef>
+          <a:fontRef idx="minor">
+            <a:schemeClr val="tx1"/>
+          </a:fontRef>
+        </p:style>
+      </p:cxnSp>
     </p:spTree>
     <p:extLst>
       <p:ext uri="{BB962C8B-B14F-4D97-AF65-F5344CB8AC3E}">
